--- a/grefine-rhok-extension/doc/presentation.pptx
+++ b/grefine-rhok-extension/doc/presentation.pptx
@@ -8,13 +8,12 @@
     <p:sldId id="256" r:id="rId2"/>
     <p:sldId id="257" r:id="rId3"/>
     <p:sldId id="258" r:id="rId4"/>
-    <p:sldId id="259" r:id="rId5"/>
-    <p:sldId id="260" r:id="rId6"/>
-    <p:sldId id="261" r:id="rId7"/>
-    <p:sldId id="262" r:id="rId8"/>
-    <p:sldId id="263" r:id="rId9"/>
-    <p:sldId id="264" r:id="rId10"/>
-    <p:sldId id="265" r:id="rId11"/>
+    <p:sldId id="266" r:id="rId5"/>
+    <p:sldId id="261" r:id="rId6"/>
+    <p:sldId id="262" r:id="rId7"/>
+    <p:sldId id="263" r:id="rId8"/>
+    <p:sldId id="264" r:id="rId9"/>
+    <p:sldId id="265" r:id="rId10"/>
   </p:sldIdLst>
   <p:sldSz cx="9144000" cy="6858000" type="screen4x3"/>
   <p:notesSz cx="6858000" cy="9144000"/>
@@ -297,6 +296,7 @@
           <a:p>
             <a:fld id="{48751EEA-56AB-45D1-AA48-F837169F265D}" type="datetimeFigureOut">
               <a:rPr lang="en-US" smtClean="0"/>
+              <a:pPr/>
               <a:t>6/3/2012</a:t>
             </a:fld>
             <a:endParaRPr lang="en-US"/>
@@ -339,6 +339,7 @@
           <a:p>
             <a:fld id="{615D47B7-EC84-4307-A857-A8B9A7E0A60E}" type="slidenum">
               <a:rPr lang="en-US" smtClean="0"/>
+              <a:pPr/>
               <a:t>‹#›</a:t>
             </a:fld>
             <a:endParaRPr lang="en-US"/>
@@ -462,6 +463,7 @@
           <a:p>
             <a:fld id="{48751EEA-56AB-45D1-AA48-F837169F265D}" type="datetimeFigureOut">
               <a:rPr lang="en-US" smtClean="0"/>
+              <a:pPr/>
               <a:t>6/3/2012</a:t>
             </a:fld>
             <a:endParaRPr lang="en-US"/>
@@ -504,6 +506,7 @@
           <a:p>
             <a:fld id="{615D47B7-EC84-4307-A857-A8B9A7E0A60E}" type="slidenum">
               <a:rPr lang="en-US" smtClean="0"/>
+              <a:pPr/>
               <a:t>‹#›</a:t>
             </a:fld>
             <a:endParaRPr lang="en-US"/>
@@ -637,6 +640,7 @@
           <a:p>
             <a:fld id="{48751EEA-56AB-45D1-AA48-F837169F265D}" type="datetimeFigureOut">
               <a:rPr lang="en-US" smtClean="0"/>
+              <a:pPr/>
               <a:t>6/3/2012</a:t>
             </a:fld>
             <a:endParaRPr lang="en-US"/>
@@ -679,6 +683,7 @@
           <a:p>
             <a:fld id="{615D47B7-EC84-4307-A857-A8B9A7E0A60E}" type="slidenum">
               <a:rPr lang="en-US" smtClean="0"/>
+              <a:pPr/>
               <a:t>‹#›</a:t>
             </a:fld>
             <a:endParaRPr lang="en-US"/>
@@ -802,6 +807,7 @@
           <a:p>
             <a:fld id="{48751EEA-56AB-45D1-AA48-F837169F265D}" type="datetimeFigureOut">
               <a:rPr lang="en-US" smtClean="0"/>
+              <a:pPr/>
               <a:t>6/3/2012</a:t>
             </a:fld>
             <a:endParaRPr lang="en-US"/>
@@ -844,6 +850,7 @@
           <a:p>
             <a:fld id="{615D47B7-EC84-4307-A857-A8B9A7E0A60E}" type="slidenum">
               <a:rPr lang="en-US" smtClean="0"/>
+              <a:pPr/>
               <a:t>‹#›</a:t>
             </a:fld>
             <a:endParaRPr lang="en-US"/>
@@ -1043,6 +1050,7 @@
           <a:p>
             <a:fld id="{48751EEA-56AB-45D1-AA48-F837169F265D}" type="datetimeFigureOut">
               <a:rPr lang="en-US" smtClean="0"/>
+              <a:pPr/>
               <a:t>6/3/2012</a:t>
             </a:fld>
             <a:endParaRPr lang="en-US"/>
@@ -1085,6 +1093,7 @@
           <a:p>
             <a:fld id="{615D47B7-EC84-4307-A857-A8B9A7E0A60E}" type="slidenum">
               <a:rPr lang="en-US" smtClean="0"/>
+              <a:pPr/>
               <a:t>‹#›</a:t>
             </a:fld>
             <a:endParaRPr lang="en-US"/>
@@ -1326,6 +1335,7 @@
           <a:p>
             <a:fld id="{48751EEA-56AB-45D1-AA48-F837169F265D}" type="datetimeFigureOut">
               <a:rPr lang="en-US" smtClean="0"/>
+              <a:pPr/>
               <a:t>6/3/2012</a:t>
             </a:fld>
             <a:endParaRPr lang="en-US"/>
@@ -1368,6 +1378,7 @@
           <a:p>
             <a:fld id="{615D47B7-EC84-4307-A857-A8B9A7E0A60E}" type="slidenum">
               <a:rPr lang="en-US" smtClean="0"/>
+              <a:pPr/>
               <a:t>‹#›</a:t>
             </a:fld>
             <a:endParaRPr lang="en-US"/>
@@ -1743,6 +1754,7 @@
           <a:p>
             <a:fld id="{48751EEA-56AB-45D1-AA48-F837169F265D}" type="datetimeFigureOut">
               <a:rPr lang="en-US" smtClean="0"/>
+              <a:pPr/>
               <a:t>6/3/2012</a:t>
             </a:fld>
             <a:endParaRPr lang="en-US"/>
@@ -1785,6 +1797,7 @@
           <a:p>
             <a:fld id="{615D47B7-EC84-4307-A857-A8B9A7E0A60E}" type="slidenum">
               <a:rPr lang="en-US" smtClean="0"/>
+              <a:pPr/>
               <a:t>‹#›</a:t>
             </a:fld>
             <a:endParaRPr lang="en-US"/>
@@ -1856,6 +1869,7 @@
           <a:p>
             <a:fld id="{48751EEA-56AB-45D1-AA48-F837169F265D}" type="datetimeFigureOut">
               <a:rPr lang="en-US" smtClean="0"/>
+              <a:pPr/>
               <a:t>6/3/2012</a:t>
             </a:fld>
             <a:endParaRPr lang="en-US"/>
@@ -1898,6 +1912,7 @@
           <a:p>
             <a:fld id="{615D47B7-EC84-4307-A857-A8B9A7E0A60E}" type="slidenum">
               <a:rPr lang="en-US" smtClean="0"/>
+              <a:pPr/>
               <a:t>‹#›</a:t>
             </a:fld>
             <a:endParaRPr lang="en-US"/>
@@ -1946,6 +1961,7 @@
           <a:p>
             <a:fld id="{48751EEA-56AB-45D1-AA48-F837169F265D}" type="datetimeFigureOut">
               <a:rPr lang="en-US" smtClean="0"/>
+              <a:pPr/>
               <a:t>6/3/2012</a:t>
             </a:fld>
             <a:endParaRPr lang="en-US"/>
@@ -1988,6 +2004,7 @@
           <a:p>
             <a:fld id="{615D47B7-EC84-4307-A857-A8B9A7E0A60E}" type="slidenum">
               <a:rPr lang="en-US" smtClean="0"/>
+              <a:pPr/>
               <a:t>‹#›</a:t>
             </a:fld>
             <a:endParaRPr lang="en-US"/>
@@ -2218,6 +2235,7 @@
           <a:p>
             <a:fld id="{48751EEA-56AB-45D1-AA48-F837169F265D}" type="datetimeFigureOut">
               <a:rPr lang="en-US" smtClean="0"/>
+              <a:pPr/>
               <a:t>6/3/2012</a:t>
             </a:fld>
             <a:endParaRPr lang="en-US"/>
@@ -2260,6 +2278,7 @@
           <a:p>
             <a:fld id="{615D47B7-EC84-4307-A857-A8B9A7E0A60E}" type="slidenum">
               <a:rPr lang="en-US" smtClean="0"/>
+              <a:pPr/>
               <a:t>‹#›</a:t>
             </a:fld>
             <a:endParaRPr lang="en-US"/>
@@ -2466,6 +2485,7 @@
           <a:p>
             <a:fld id="{48751EEA-56AB-45D1-AA48-F837169F265D}" type="datetimeFigureOut">
               <a:rPr lang="en-US" smtClean="0"/>
+              <a:pPr/>
               <a:t>6/3/2012</a:t>
             </a:fld>
             <a:endParaRPr lang="en-US"/>
@@ -2508,6 +2528,7 @@
           <a:p>
             <a:fld id="{615D47B7-EC84-4307-A857-A8B9A7E0A60E}" type="slidenum">
               <a:rPr lang="en-US" smtClean="0"/>
+              <a:pPr/>
               <a:t>‹#›</a:t>
             </a:fld>
             <a:endParaRPr lang="en-US"/>
@@ -2674,6 +2695,7 @@
           <a:p>
             <a:fld id="{48751EEA-56AB-45D1-AA48-F837169F265D}" type="datetimeFigureOut">
               <a:rPr lang="en-US" smtClean="0"/>
+              <a:pPr/>
               <a:t>6/3/2012</a:t>
             </a:fld>
             <a:endParaRPr lang="en-US"/>
@@ -2752,6 +2774,7 @@
           <a:p>
             <a:fld id="{615D47B7-EC84-4307-A857-A8B9A7E0A60E}" type="slidenum">
               <a:rPr lang="en-US" smtClean="0"/>
+              <a:pPr/>
               <a:t>‹#›</a:t>
             </a:fld>
             <a:endParaRPr lang="en-US"/>
@@ -3062,21 +3085,13 @@
         </p:spPr>
         <p:txBody>
           <a:bodyPr>
-            <a:normAutofit fontScale="90000"/>
+            <a:normAutofit/>
           </a:bodyPr>
           <a:lstStyle/>
           <a:p>
             <a:r>
-              <a:rPr lang="en-US" b="1" dirty="0"/>
-              <a:t>Revision of </a:t>
-            </a:r>
-            <a:r>
-              <a:rPr lang="en-US" b="1" i="1" dirty="0" err="1"/>
-              <a:t>FFilter</a:t>
-            </a:r>
-            <a:r>
-              <a:rPr lang="en-US" b="1" i="1" dirty="0"/>
-              <a:t> - tool for screening open data for private/sensitive information before publication</a:t>
+              <a:rPr lang="en-US" b="1" dirty="0" err="1" smtClean="0"/>
+              <a:t>SensitiveHack</a:t>
             </a:r>
             <a:r>
               <a:rPr lang="en-US" b="1" dirty="0"/>
@@ -3366,73 +3381,6 @@
 </p:sld>
 </file>
 
-<file path=ppt/slides/slide10.xml><?xml version="1.0" encoding="utf-8"?>
-<p:sld xmlns:a="http://schemas.openxmlformats.org/drawingml/2006/main" xmlns:r="http://schemas.openxmlformats.org/officeDocument/2006/relationships" xmlns:p="http://schemas.openxmlformats.org/presentationml/2006/main">
-  <p:cSld>
-    <p:spTree>
-      <p:nvGrpSpPr>
-        <p:cNvPr id="1" name=""/>
-        <p:cNvGrpSpPr/>
-        <p:nvPr/>
-      </p:nvGrpSpPr>
-      <p:grpSpPr>
-        <a:xfrm>
-          <a:off x="0" y="0"/>
-          <a:ext cx="0" cy="0"/>
-          <a:chOff x="0" y="0"/>
-          <a:chExt cx="0" cy="0"/>
-        </a:xfrm>
-      </p:grpSpPr>
-      <p:sp>
-        <p:nvSpPr>
-          <p:cNvPr id="2" name="Title 1"/>
-          <p:cNvSpPr>
-            <a:spLocks noGrp="1"/>
-          </p:cNvSpPr>
-          <p:nvPr>
-            <p:ph type="title"/>
-          </p:nvPr>
-        </p:nvSpPr>
-        <p:spPr/>
-        <p:txBody>
-          <a:bodyPr/>
-          <a:lstStyle/>
-          <a:p>
-            <a:r>
-              <a:rPr lang="en-US" dirty="0" smtClean="0"/>
-              <a:t>Demo</a:t>
-            </a:r>
-            <a:endParaRPr lang="en-US" dirty="0"/>
-          </a:p>
-        </p:txBody>
-      </p:sp>
-      <p:sp>
-        <p:nvSpPr>
-          <p:cNvPr id="3" name="Content Placeholder 2"/>
-          <p:cNvSpPr>
-            <a:spLocks noGrp="1"/>
-          </p:cNvSpPr>
-          <p:nvPr>
-            <p:ph idx="1"/>
-          </p:nvPr>
-        </p:nvSpPr>
-        <p:spPr/>
-        <p:txBody>
-          <a:bodyPr/>
-          <a:lstStyle/>
-          <a:p>
-            <a:endParaRPr lang="en-US"/>
-          </a:p>
-        </p:txBody>
-      </p:sp>
-    </p:spTree>
-  </p:cSld>
-  <p:clrMapOvr>
-    <a:masterClrMapping/>
-  </p:clrMapOvr>
-</p:sld>
-</file>
-
 <file path=ppt/slides/slide2.xml><?xml version="1.0" encoding="utf-8"?>
 <p:sld xmlns:a="http://schemas.openxmlformats.org/drawingml/2006/main" xmlns:r="http://schemas.openxmlformats.org/officeDocument/2006/relationships" xmlns:p="http://schemas.openxmlformats.org/presentationml/2006/main">
   <p:cSld>
@@ -3510,7 +3458,63 @@
             </a:r>
             <a:r>
               <a:rPr lang="en-US" dirty="0"/>
-              <a:t> data is unintentional disclosure of private information about individuals or other sensitive information</a:t>
+              <a:t> data is </a:t>
+            </a:r>
+            <a:r>
+              <a:rPr lang="en-US" b="1" dirty="0">
+                <a:solidFill>
+                  <a:srgbClr val="002060"/>
+                </a:solidFill>
+              </a:rPr>
+              <a:t>unintentional disclosure</a:t>
+            </a:r>
+            <a:r>
+              <a:rPr lang="en-US" dirty="0"/>
+              <a:t> of </a:t>
+            </a:r>
+            <a:r>
+              <a:rPr lang="en-US" b="1" dirty="0">
+                <a:solidFill>
+                  <a:srgbClr val="002060"/>
+                </a:solidFill>
+              </a:rPr>
+              <a:t>private</a:t>
+            </a:r>
+            <a:r>
+              <a:rPr lang="en-US" dirty="0"/>
+              <a:t> </a:t>
+            </a:r>
+            <a:r>
+              <a:rPr lang="en-US" b="1" dirty="0">
+                <a:solidFill>
+                  <a:srgbClr val="002060"/>
+                </a:solidFill>
+              </a:rPr>
+              <a:t>information</a:t>
+            </a:r>
+            <a:r>
+              <a:rPr lang="en-US" dirty="0"/>
+              <a:t> about individuals or other </a:t>
+            </a:r>
+            <a:r>
+              <a:rPr lang="en-US" b="1" dirty="0">
+                <a:solidFill>
+                  <a:srgbClr val="002060"/>
+                </a:solidFill>
+              </a:rPr>
+              <a:t>sensitive</a:t>
+            </a:r>
+            <a:r>
+              <a:rPr lang="en-US" dirty="0"/>
+              <a:t> </a:t>
+            </a:r>
+            <a:r>
+              <a:rPr lang="en-US" b="1" dirty="0">
+                <a:solidFill>
+                  <a:srgbClr val="002060"/>
+                </a:solidFill>
+              </a:rPr>
+              <a:t>information</a:t>
             </a:r>
             <a:r>
               <a:rPr lang="en-US" dirty="0" smtClean="0"/>
@@ -3527,6 +3531,13 @@
   <p:clrMapOvr>
     <a:masterClrMapping/>
   </p:clrMapOvr>
+  <p:timing>
+    <p:tnLst>
+      <p:par>
+        <p:cTn id="1" dur="indefinite" restart="never" nodeType="tmRoot"/>
+      </p:par>
+    </p:tnLst>
+  </p:timing>
 </p:sld>
 </file>
 
@@ -3593,15 +3604,35 @@
               <a:t>Example for unintentional disclosure during the publication of open data can be publication of </a:t>
             </a:r>
             <a:r>
+              <a:rPr lang="en-US" b="1" dirty="0">
+                <a:solidFill>
+                  <a:srgbClr val="002060"/>
+                </a:solidFill>
+              </a:rPr>
+              <a:t>peoples</a:t>
+            </a:r>
+            <a:r>
               <a:rPr lang="en-US" b="1" dirty="0"/>
-              <a:t>peoples names</a:t>
+              <a:t> </a:t>
+            </a:r>
+            <a:r>
+              <a:rPr lang="en-US" b="1" dirty="0">
+                <a:solidFill>
+                  <a:srgbClr val="002060"/>
+                </a:solidFill>
+              </a:rPr>
+              <a:t>names</a:t>
             </a:r>
             <a:r>
               <a:rPr lang="en-US" dirty="0"/>
               <a:t>, </a:t>
             </a:r>
             <a:r>
-              <a:rPr lang="en-US" b="1" dirty="0"/>
+              <a:rPr lang="en-US" b="1" dirty="0">
+                <a:solidFill>
+                  <a:srgbClr val="002060"/>
+                </a:solidFill>
+              </a:rPr>
               <a:t>addresses</a:t>
             </a:r>
             <a:r>
@@ -3609,16 +3640,64 @@
               <a:t>, </a:t>
             </a:r>
             <a:r>
+              <a:rPr lang="en-US" b="1" dirty="0">
+                <a:solidFill>
+                  <a:srgbClr val="002060"/>
+                </a:solidFill>
+              </a:rPr>
+              <a:t>bank</a:t>
+            </a:r>
+            <a:r>
               <a:rPr lang="en-US" b="1" dirty="0"/>
-              <a:t>bank account </a:t>
+              <a:t> </a:t>
+            </a:r>
+            <a:r>
+              <a:rPr lang="en-US" b="1" dirty="0">
+                <a:solidFill>
+                  <a:srgbClr val="002060"/>
+                </a:solidFill>
+              </a:rPr>
+              <a:t>account</a:t>
+            </a:r>
+            <a:r>
+              <a:rPr lang="en-US" b="1" dirty="0"/>
+              <a:t> </a:t>
             </a:r>
             <a:r>
               <a:rPr lang="en-US" dirty="0"/>
               <a:t>and </a:t>
             </a:r>
             <a:r>
+              <a:rPr lang="en-US" b="1" dirty="0">
+                <a:solidFill>
+                  <a:srgbClr val="002060"/>
+                </a:solidFill>
+              </a:rPr>
+              <a:t>credit</a:t>
+            </a:r>
+            <a:r>
               <a:rPr lang="en-US" b="1" dirty="0"/>
-              <a:t>credit card numbers</a:t>
+              <a:t> </a:t>
+            </a:r>
+            <a:r>
+              <a:rPr lang="en-US" b="1" dirty="0">
+                <a:solidFill>
+                  <a:srgbClr val="002060"/>
+                </a:solidFill>
+              </a:rPr>
+              <a:t>card</a:t>
+            </a:r>
+            <a:r>
+              <a:rPr lang="en-US" b="1" dirty="0"/>
+              <a:t> </a:t>
+            </a:r>
+            <a:r>
+              <a:rPr lang="en-US" b="1" dirty="0">
+                <a:solidFill>
+                  <a:srgbClr val="002060"/>
+                </a:solidFill>
+              </a:rPr>
+              <a:t>numbers</a:t>
             </a:r>
             <a:r>
               <a:rPr lang="en-US" dirty="0"/>
@@ -3635,6 +3714,13 @@
   <p:clrMapOvr>
     <a:masterClrMapping/>
   </p:clrMapOvr>
+  <p:timing>
+    <p:tnLst>
+      <p:par>
+        <p:cTn id="1" dur="indefinite" restart="never" nodeType="tmRoot"/>
+      </p:par>
+    </p:tnLst>
+  </p:timing>
 </p:sld>
 </file>
 
@@ -3667,14 +3753,12 @@
         </p:nvSpPr>
         <p:spPr/>
         <p:txBody>
-          <a:bodyPr>
-            <a:normAutofit/>
-          </a:bodyPr>
-          <a:lstStyle/>
-          <a:p>
-            <a:r>
-              <a:rPr lang="en-US" b="1" dirty="0" smtClean="0"/>
-              <a:t>Extra Credit: </a:t>
+          <a:bodyPr/>
+          <a:lstStyle/>
+          <a:p>
+            <a:r>
+              <a:rPr lang="en-US" dirty="0" smtClean="0"/>
+              <a:t>Traction</a:t>
             </a:r>
             <a:endParaRPr lang="en-US" dirty="0"/>
           </a:p>
@@ -3692,58 +3776,48 @@
         </p:nvSpPr>
         <p:spPr/>
         <p:txBody>
-          <a:bodyPr>
-            <a:normAutofit fontScale="92500" lnSpcReduction="10000"/>
-          </a:bodyPr>
-          <a:lstStyle/>
-          <a:p>
-            <a:pPr fontAlgn="base"/>
+          <a:bodyPr/>
+          <a:lstStyle/>
+          <a:p>
             <a:r>
               <a:rPr lang="en-US" dirty="0" smtClean="0"/>
-              <a:t>One of the most widely used tool for </a:t>
-            </a:r>
-            <a:r>
-              <a:rPr lang="en-US" dirty="0" err="1" smtClean="0"/>
-              <a:t>wokring</a:t>
-            </a:r>
+              <a:t>Problem Publishers suggestion</a:t>
+            </a:r>
+          </a:p>
+          <a:p>
+            <a:pPr lvl="1"/>
+            <a:r>
+              <a:rPr lang="en-US" b="1" dirty="0" smtClean="0">
+                <a:solidFill>
+                  <a:srgbClr val="002060"/>
+                </a:solidFill>
+              </a:rPr>
+              <a:t>Excel macro or</a:t>
+            </a:r>
+          </a:p>
+          <a:p>
+            <a:pPr lvl="1"/>
+            <a:r>
+              <a:rPr lang="en-US" b="1" dirty="0" smtClean="0">
+                <a:solidFill>
+                  <a:srgbClr val="002060"/>
+                </a:solidFill>
+              </a:rPr>
+              <a:t>Command Like script</a:t>
+            </a:r>
+          </a:p>
+          <a:p>
             <a:r>
               <a:rPr lang="en-US" dirty="0" smtClean="0"/>
-              <a:t> with data is MS Excel. It will be great to have native plug-in that can run such checks/filtering directly from Excel </a:t>
-            </a:r>
-            <a:r>
-              <a:rPr lang="en-US" u="sng" dirty="0" smtClean="0">
-                <a:hlinkClick r:id="rId2" tooltip="Powered by Text-Enhance"/>
-              </a:rPr>
-              <a:t>application</a:t>
-            </a:r>
+              <a:t>We suggest the use of Google Refine</a:t>
+            </a:r>
+          </a:p>
+          <a:p>
+            <a:pPr lvl="1"/>
             <a:r>
               <a:rPr lang="en-US" dirty="0" smtClean="0"/>
-              <a:t>.</a:t>
-            </a:r>
-          </a:p>
-          <a:p>
-            <a:pPr fontAlgn="base"/>
-            <a:r>
-              <a:rPr lang="en-US" dirty="0" smtClean="0"/>
-              <a:t> </a:t>
-            </a:r>
-          </a:p>
-          <a:p>
-            <a:pPr fontAlgn="base"/>
-            <a:r>
-              <a:rPr lang="en-US" dirty="0" smtClean="0"/>
-              <a:t>Diversity of data formats makes it important flexibility in way data is loaded into the tool. Support of widely used formats such as XML, JSON, CSV/Excel, ESRI </a:t>
-            </a:r>
-            <a:r>
-              <a:rPr lang="en-US" dirty="0" err="1" smtClean="0"/>
-              <a:t>Shapefiles</a:t>
-            </a:r>
-            <a:r>
-              <a:rPr lang="en-US" dirty="0" smtClean="0"/>
-              <a:t>, RDBMS/SQL, etc will make this tool easier to use.</a:t>
-            </a:r>
-          </a:p>
-          <a:p>
+              <a:t>The Problem Publisher agrees with our approach</a:t>
+            </a:r>
             <a:endParaRPr lang="en-US" dirty="0"/>
           </a:p>
         </p:txBody>
@@ -3789,9 +3863,10 @@
           <a:lstStyle/>
           <a:p>
             <a:r>
-              <a:rPr lang="en-US" dirty="0"/>
-              <a:t>Next Steps and Sustainability: </a:t>
-            </a:r>
+              <a:rPr lang="en-US" dirty="0" smtClean="0"/>
+              <a:t>Solution</a:t>
+            </a:r>
+            <a:endParaRPr lang="en-US" dirty="0"/>
           </a:p>
         </p:txBody>
       </p:sp>
@@ -3807,33 +3882,10 @@
         </p:nvSpPr>
         <p:spPr/>
         <p:txBody>
-          <a:bodyPr>
-            <a:normAutofit lnSpcReduction="10000"/>
-          </a:bodyPr>
-          <a:lstStyle/>
-          <a:p>
-            <a:pPr fontAlgn="base"/>
-            <a:r>
-              <a:rPr lang="en-US" dirty="0"/>
-              <a:t>Solution should be a simple tool/application that can take open data in any machine readable format and scan it for presence of private/sensitive data.</a:t>
-            </a:r>
-          </a:p>
-          <a:p>
-            <a:pPr fontAlgn="base"/>
-            <a:r>
-              <a:rPr lang="en-US" dirty="0"/>
-              <a:t> </a:t>
-            </a:r>
-          </a:p>
-          <a:p>
-            <a:pPr fontAlgn="base"/>
-            <a:r>
-              <a:rPr lang="en-US" dirty="0"/>
-              <a:t>Preferably tool should be highly configurable to tune filtering/search for different problems (e.g. people related, bank accounts/credit cards related, special catchwords, etc)</a:t>
-            </a:r>
-          </a:p>
-          <a:p>
-            <a:endParaRPr lang="en-US" dirty="0"/>
+          <a:bodyPr/>
+          <a:lstStyle/>
+          <a:p>
+            <a:endParaRPr lang="en-US"/>
           </a:p>
         </p:txBody>
       </p:sp>
@@ -3846,73 +3898,6 @@
 </file>
 
 <file path=ppt/slides/slide6.xml><?xml version="1.0" encoding="utf-8"?>
-<p:sld xmlns:a="http://schemas.openxmlformats.org/drawingml/2006/main" xmlns:r="http://schemas.openxmlformats.org/officeDocument/2006/relationships" xmlns:p="http://schemas.openxmlformats.org/presentationml/2006/main">
-  <p:cSld>
-    <p:spTree>
-      <p:nvGrpSpPr>
-        <p:cNvPr id="1" name=""/>
-        <p:cNvGrpSpPr/>
-        <p:nvPr/>
-      </p:nvGrpSpPr>
-      <p:grpSpPr>
-        <a:xfrm>
-          <a:off x="0" y="0"/>
-          <a:ext cx="0" cy="0"/>
-          <a:chOff x="0" y="0"/>
-          <a:chExt cx="0" cy="0"/>
-        </a:xfrm>
-      </p:grpSpPr>
-      <p:sp>
-        <p:nvSpPr>
-          <p:cNvPr id="2" name="Title 1"/>
-          <p:cNvSpPr>
-            <a:spLocks noGrp="1"/>
-          </p:cNvSpPr>
-          <p:nvPr>
-            <p:ph type="title"/>
-          </p:nvPr>
-        </p:nvSpPr>
-        <p:spPr/>
-        <p:txBody>
-          <a:bodyPr/>
-          <a:lstStyle/>
-          <a:p>
-            <a:r>
-              <a:rPr lang="en-US" dirty="0" smtClean="0"/>
-              <a:t>Solution</a:t>
-            </a:r>
-            <a:endParaRPr lang="en-US" dirty="0"/>
-          </a:p>
-        </p:txBody>
-      </p:sp>
-      <p:sp>
-        <p:nvSpPr>
-          <p:cNvPr id="3" name="Content Placeholder 2"/>
-          <p:cNvSpPr>
-            <a:spLocks noGrp="1"/>
-          </p:cNvSpPr>
-          <p:nvPr>
-            <p:ph idx="1"/>
-          </p:nvPr>
-        </p:nvSpPr>
-        <p:spPr/>
-        <p:txBody>
-          <a:bodyPr/>
-          <a:lstStyle/>
-          <a:p>
-            <a:endParaRPr lang="en-US"/>
-          </a:p>
-        </p:txBody>
-      </p:sp>
-    </p:spTree>
-  </p:cSld>
-  <p:clrMapOvr>
-    <a:masterClrMapping/>
-  </p:clrMapOvr>
-</p:sld>
-</file>
-
-<file path=ppt/slides/slide7.xml><?xml version="1.0" encoding="utf-8"?>
 <p:sld xmlns:a="http://schemas.openxmlformats.org/drawingml/2006/main" xmlns:r="http://schemas.openxmlformats.org/officeDocument/2006/relationships" xmlns:p="http://schemas.openxmlformats.org/presentationml/2006/main">
   <p:cSld>
     <p:spTree>
@@ -4043,6 +4028,106 @@
 </p:sld>
 </file>
 
+<file path=ppt/slides/slide7.xml><?xml version="1.0" encoding="utf-8"?>
+<p:sld xmlns:a="http://schemas.openxmlformats.org/drawingml/2006/main" xmlns:r="http://schemas.openxmlformats.org/officeDocument/2006/relationships" xmlns:p="http://schemas.openxmlformats.org/presentationml/2006/main">
+  <p:cSld>
+    <p:spTree>
+      <p:nvGrpSpPr>
+        <p:cNvPr id="1" name=""/>
+        <p:cNvGrpSpPr/>
+        <p:nvPr/>
+      </p:nvGrpSpPr>
+      <p:grpSpPr>
+        <a:xfrm>
+          <a:off x="0" y="0"/>
+          <a:ext cx="0" cy="0"/>
+          <a:chOff x="0" y="0"/>
+          <a:chExt cx="0" cy="0"/>
+        </a:xfrm>
+      </p:grpSpPr>
+      <p:sp>
+        <p:nvSpPr>
+          <p:cNvPr id="2" name="Title 1"/>
+          <p:cNvSpPr>
+            <a:spLocks noGrp="1"/>
+          </p:cNvSpPr>
+          <p:nvPr>
+            <p:ph type="title"/>
+          </p:nvPr>
+        </p:nvSpPr>
+        <p:spPr/>
+        <p:txBody>
+          <a:bodyPr/>
+          <a:lstStyle/>
+          <a:p>
+            <a:r>
+              <a:rPr lang="en-US" dirty="0" smtClean="0"/>
+              <a:t>Extensions</a:t>
+            </a:r>
+            <a:endParaRPr lang="en-US" dirty="0"/>
+          </a:p>
+        </p:txBody>
+      </p:sp>
+      <p:sp>
+        <p:nvSpPr>
+          <p:cNvPr id="3" name="Content Placeholder 2"/>
+          <p:cNvSpPr>
+            <a:spLocks noGrp="1"/>
+          </p:cNvSpPr>
+          <p:nvPr>
+            <p:ph idx="1"/>
+          </p:nvPr>
+        </p:nvSpPr>
+        <p:spPr/>
+        <p:txBody>
+          <a:bodyPr/>
+          <a:lstStyle/>
+          <a:p>
+            <a:r>
+              <a:rPr lang="en-US" dirty="0" smtClean="0"/>
+              <a:t>Developed an extension </a:t>
+            </a:r>
+          </a:p>
+          <a:p>
+            <a:pPr lvl="1"/>
+            <a:r>
+              <a:rPr lang="en-US" dirty="0" smtClean="0"/>
+              <a:t> detect</a:t>
+            </a:r>
+          </a:p>
+          <a:p>
+            <a:pPr lvl="2"/>
+            <a:r>
+              <a:rPr lang="en-US" dirty="0" smtClean="0"/>
+              <a:t>Emails - Addresses</a:t>
+            </a:r>
+            <a:endParaRPr lang="en-US" dirty="0" smtClean="0"/>
+          </a:p>
+          <a:p>
+            <a:pPr lvl="2"/>
+            <a:r>
+              <a:rPr lang="en-US" dirty="0" smtClean="0"/>
+              <a:t>SSN</a:t>
+            </a:r>
+          </a:p>
+          <a:p>
+            <a:pPr lvl="2"/>
+            <a:r>
+              <a:rPr lang="en-US" dirty="0" smtClean="0"/>
+              <a:t>Phone Number</a:t>
+            </a:r>
+            <a:endParaRPr lang="en-US" dirty="0"/>
+          </a:p>
+        </p:txBody>
+      </p:sp>
+    </p:spTree>
+  </p:cSld>
+  <p:clrMapOvr>
+    <a:masterClrMapping/>
+  </p:clrMapOvr>
+</p:sld>
+</file>
+
 <file path=ppt/slides/slide8.xml><?xml version="1.0" encoding="utf-8"?>
 <p:sld xmlns:a="http://schemas.openxmlformats.org/drawingml/2006/main" xmlns:r="http://schemas.openxmlformats.org/officeDocument/2006/relationships" xmlns:p="http://schemas.openxmlformats.org/presentationml/2006/main">
   <p:cSld>
@@ -4077,7 +4162,7 @@
           <a:p>
             <a:r>
               <a:rPr lang="en-US" dirty="0" smtClean="0"/>
-              <a:t>Extensions</a:t>
+              <a:t>Future work</a:t>
             </a:r>
             <a:endParaRPr lang="en-US" dirty="0"/>
           </a:p>
@@ -4100,36 +4185,41 @@
           <a:p>
             <a:r>
               <a:rPr lang="en-US" dirty="0" smtClean="0"/>
-              <a:t>Developed an extension </a:t>
-            </a:r>
-          </a:p>
-          <a:p>
-            <a:pPr lvl="1"/>
+              <a:t>Define sensitive data patterns</a:t>
+            </a:r>
+          </a:p>
+          <a:p>
             <a:r>
               <a:rPr lang="en-US" dirty="0" smtClean="0"/>
-              <a:t> detect</a:t>
-            </a:r>
-          </a:p>
-          <a:p>
-            <a:pPr lvl="2"/>
+              <a:t>Use machine learning algorithms</a:t>
+            </a:r>
+          </a:p>
+          <a:p>
             <a:r>
               <a:rPr lang="en-US" dirty="0" smtClean="0"/>
-              <a:t>Simple emails</a:t>
-            </a:r>
-          </a:p>
-          <a:p>
-            <a:pPr lvl="2"/>
+              <a:t>Customize for free text </a:t>
+            </a:r>
             <a:r>
               <a:rPr lang="en-US" dirty="0" smtClean="0"/>
-              <a:t>SSN</a:t>
-            </a:r>
-          </a:p>
-          <a:p>
-            <a:pPr lvl="2"/>
+              <a:t>documents</a:t>
+            </a:r>
+          </a:p>
+          <a:p>
             <a:r>
               <a:rPr lang="en-US" dirty="0" smtClean="0"/>
-              <a:t>Phone Number</a:t>
-            </a:r>
+              <a:t>provide interface to publish data directly from </a:t>
+            </a:r>
+            <a:r>
+              <a:rPr lang="en-US" dirty="0" err="1" smtClean="0"/>
+              <a:t>google</a:t>
+            </a:r>
+            <a:r>
+              <a:rPr lang="en-US" dirty="0" smtClean="0"/>
+              <a:t> refine</a:t>
+            </a:r>
+            <a:endParaRPr lang="en-US" dirty="0" smtClean="0"/>
+          </a:p>
+          <a:p>
             <a:endParaRPr lang="en-US" dirty="0"/>
           </a:p>
         </p:txBody>
@@ -4176,7 +4266,7 @@
           <a:p>
             <a:r>
               <a:rPr lang="en-US" dirty="0" smtClean="0"/>
-              <a:t>Future work</a:t>
+              <a:t>Demo</a:t>
             </a:r>
             <a:endParaRPr lang="en-US" dirty="0"/>
           </a:p>
@@ -4197,25 +4287,7 @@
           <a:bodyPr/>
           <a:lstStyle/>
           <a:p>
-            <a:r>
-              <a:rPr lang="en-US" dirty="0" smtClean="0"/>
-              <a:t>Define sensitive data patterns</a:t>
-            </a:r>
-          </a:p>
-          <a:p>
-            <a:r>
-              <a:rPr lang="en-US" dirty="0" smtClean="0"/>
-              <a:t>Use machine learning algorithms</a:t>
-            </a:r>
-          </a:p>
-          <a:p>
-            <a:r>
-              <a:rPr lang="en-US" dirty="0" smtClean="0"/>
-              <a:t>Customize for free text documents</a:t>
-            </a:r>
-          </a:p>
-          <a:p>
-            <a:endParaRPr lang="en-US" dirty="0"/>
+            <a:endParaRPr lang="en-US"/>
           </a:p>
         </p:txBody>
       </p:sp>

--- a/grefine-rhok-extension/doc/presentation.pptx
+++ b/grefine-rhok-extension/doc/presentation.pptx
@@ -12,8 +12,9 @@
     <p:sldId id="261" r:id="rId6"/>
     <p:sldId id="262" r:id="rId7"/>
     <p:sldId id="263" r:id="rId8"/>
-    <p:sldId id="264" r:id="rId9"/>
-    <p:sldId id="265" r:id="rId10"/>
+    <p:sldId id="267" r:id="rId9"/>
+    <p:sldId id="264" r:id="rId10"/>
+    <p:sldId id="265" r:id="rId11"/>
   </p:sldIdLst>
   <p:sldSz cx="9144000" cy="6858000" type="screen4x3"/>
   <p:notesSz cx="6858000" cy="9144000"/>
@@ -3090,7 +3091,7 @@
           <a:lstStyle/>
           <a:p>
             <a:r>
-              <a:rPr lang="en-US" b="1" dirty="0" err="1" smtClean="0"/>
+              <a:rPr lang="en-US" b="1" dirty="0" smtClean="0"/>
               <a:t>SensitiveHack</a:t>
             </a:r>
             <a:r>
@@ -3244,7 +3245,7 @@
               <a:defRPr/>
             </a:pPr>
             <a:r>
-              <a:rPr kumimoji="0" lang="en-US" sz="3200" b="0" i="0" u="none" strike="noStrike" kern="1200" cap="none" spc="0" normalizeH="0" baseline="0" noProof="0" dirty="0" err="1" smtClean="0">
+              <a:rPr kumimoji="0" lang="en-US" sz="3200" b="0" i="0" u="none" strike="noStrike" kern="1200" cap="none" spc="0" normalizeH="0" baseline="0" noProof="0" dirty="0" smtClean="0">
                 <a:ln>
                   <a:noFill/>
                 </a:ln>
@@ -3363,6 +3364,99 @@
               <a:ea typeface="+mn-ea"/>
               <a:cs typeface="+mn-cs"/>
             </a:endParaRPr>
+          </a:p>
+        </p:txBody>
+      </p:sp>
+    </p:spTree>
+  </p:cSld>
+  <p:clrMapOvr>
+    <a:masterClrMapping/>
+  </p:clrMapOvr>
+  <p:timing>
+    <p:tnLst>
+      <p:par>
+        <p:cTn id="1" dur="indefinite" restart="never" nodeType="tmRoot"/>
+      </p:par>
+    </p:tnLst>
+  </p:timing>
+</p:sld>
+</file>
+
+<file path=ppt/slides/slide10.xml><?xml version="1.0" encoding="utf-8"?>
+<p:sld xmlns:a="http://schemas.openxmlformats.org/drawingml/2006/main" xmlns:r="http://schemas.openxmlformats.org/officeDocument/2006/relationships" xmlns:p="http://schemas.openxmlformats.org/presentationml/2006/main">
+  <p:cSld>
+    <p:spTree>
+      <p:nvGrpSpPr>
+        <p:cNvPr id="1" name=""/>
+        <p:cNvGrpSpPr/>
+        <p:nvPr/>
+      </p:nvGrpSpPr>
+      <p:grpSpPr>
+        <a:xfrm>
+          <a:off x="0" y="0"/>
+          <a:ext cx="0" cy="0"/>
+          <a:chOff x="0" y="0"/>
+          <a:chExt cx="0" cy="0"/>
+        </a:xfrm>
+      </p:grpSpPr>
+      <p:sp>
+        <p:nvSpPr>
+          <p:cNvPr id="2" name="Title 1"/>
+          <p:cNvSpPr>
+            <a:spLocks noGrp="1"/>
+          </p:cNvSpPr>
+          <p:nvPr>
+            <p:ph type="title"/>
+          </p:nvPr>
+        </p:nvSpPr>
+        <p:spPr/>
+        <p:txBody>
+          <a:bodyPr/>
+          <a:lstStyle/>
+          <a:p>
+            <a:r>
+              <a:rPr lang="en-US" dirty="0" smtClean="0"/>
+              <a:t>Demo</a:t>
+            </a:r>
+            <a:endParaRPr lang="en-US" dirty="0"/>
+          </a:p>
+        </p:txBody>
+      </p:sp>
+      <p:sp>
+        <p:nvSpPr>
+          <p:cNvPr id="3" name="Content Placeholder 2"/>
+          <p:cNvSpPr>
+            <a:spLocks noGrp="1"/>
+          </p:cNvSpPr>
+          <p:nvPr>
+            <p:ph idx="1"/>
+          </p:nvPr>
+        </p:nvSpPr>
+        <p:spPr/>
+        <p:txBody>
+          <a:bodyPr/>
+          <a:lstStyle/>
+          <a:p>
+            <a:endParaRPr lang="en-US" dirty="0" smtClean="0"/>
+          </a:p>
+          <a:p>
+            <a:endParaRPr lang="en-US" dirty="0" smtClean="0"/>
+          </a:p>
+          <a:p>
+            <a:endParaRPr lang="en-US" dirty="0" smtClean="0"/>
+          </a:p>
+          <a:p>
+            <a:r>
+              <a:rPr lang="en-US" dirty="0" smtClean="0"/>
+              <a:t>Start </a:t>
+            </a:r>
+            <a:r>
+              <a:rPr lang="en-US" dirty="0" smtClean="0">
+                <a:hlinkClick r:id="rId2"/>
+              </a:rPr>
+              <a:t>SensitiveHack</a:t>
+            </a:r>
+            <a:endParaRPr lang="en-US" dirty="0"/>
           </a:p>
         </p:txBody>
       </p:sp>
@@ -3827,6 +3921,13 @@
   <p:clrMapOvr>
     <a:masterClrMapping/>
   </p:clrMapOvr>
+  <p:timing>
+    <p:tnLst>
+      <p:par>
+        <p:cTn id="1" dur="indefinite" restart="never" nodeType="tmRoot"/>
+      </p:par>
+    </p:tnLst>
+  </p:timing>
 </p:sld>
 </file>
 
@@ -3894,6 +3995,13 @@
   <p:clrMapOvr>
     <a:masterClrMapping/>
   </p:clrMapOvr>
+  <p:timing>
+    <p:tnLst>
+      <p:par>
+        <p:cTn id="1" dur="indefinite" restart="never" nodeType="tmRoot"/>
+      </p:par>
+    </p:tnLst>
+  </p:timing>
 </p:sld>
 </file>
 
@@ -4025,6 +4133,13 @@
   <p:clrMapOvr>
     <a:masterClrMapping/>
   </p:clrMapOvr>
+  <p:timing>
+    <p:tnLst>
+      <p:par>
+        <p:cTn id="1" dur="indefinite" restart="never" nodeType="tmRoot"/>
+      </p:par>
+    </p:tnLst>
+  </p:timing>
 </p:sld>
 </file>
 
@@ -4125,6 +4240,13 @@
   <p:clrMapOvr>
     <a:masterClrMapping/>
   </p:clrMapOvr>
+  <p:timing>
+    <p:tnLst>
+      <p:par>
+        <p:cTn id="1" dur="indefinite" restart="never" nodeType="tmRoot"/>
+      </p:par>
+    </p:tnLst>
+  </p:timing>
 </p:sld>
 </file>
 
@@ -4162,7 +4284,7 @@
           <a:p>
             <a:r>
               <a:rPr lang="en-US" dirty="0" smtClean="0"/>
-              <a:t>Future work</a:t>
+              <a:t>Installation</a:t>
             </a:r>
             <a:endParaRPr lang="en-US" dirty="0"/>
           </a:p>
@@ -4185,42 +4307,27 @@
           <a:p>
             <a:r>
               <a:rPr lang="en-US" dirty="0" smtClean="0"/>
-              <a:t>Define sensitive data patterns</a:t>
+              <a:t>Install Google Refine</a:t>
             </a:r>
           </a:p>
           <a:p>
             <a:r>
               <a:rPr lang="en-US" dirty="0" smtClean="0"/>
-              <a:t>Use machine learning algorithms</a:t>
+              <a:t>Download our Extension and put in the Google Refine Extensions Folder</a:t>
             </a:r>
           </a:p>
           <a:p>
             <a:r>
               <a:rPr lang="en-US" dirty="0" smtClean="0"/>
-              <a:t>Customize for free text </a:t>
-            </a:r>
-            <a:r>
-              <a:rPr lang="en-US" dirty="0" smtClean="0"/>
-              <a:t>documents</a:t>
-            </a:r>
-          </a:p>
-          <a:p>
-            <a:r>
-              <a:rPr lang="en-US" dirty="0" smtClean="0"/>
-              <a:t>provide interface to publish data directly from </a:t>
-            </a:r>
-            <a:r>
-              <a:rPr lang="en-US" dirty="0" err="1" smtClean="0"/>
-              <a:t>google</a:t>
-            </a:r>
-            <a:r>
-              <a:rPr lang="en-US" dirty="0" smtClean="0"/>
-              <a:t> refine</a:t>
+              <a:t>Start Google refine and do sensitive Hacking </a:t>
+            </a:r>
+            <a:r>
+              <a:rPr lang="en-US" dirty="0" smtClean="0">
+                <a:sym typeface="Wingdings" pitchFamily="2" charset="2"/>
+              </a:rPr>
+              <a:t>!!!</a:t>
             </a:r>
             <a:endParaRPr lang="en-US" dirty="0" smtClean="0"/>
-          </a:p>
-          <a:p>
-            <a:endParaRPr lang="en-US" dirty="0"/>
           </a:p>
         </p:txBody>
       </p:sp>
@@ -4229,6 +4336,13 @@
   <p:clrMapOvr>
     <a:masterClrMapping/>
   </p:clrMapOvr>
+  <p:timing>
+    <p:tnLst>
+      <p:par>
+        <p:cTn id="1" dur="indefinite" restart="never" nodeType="tmRoot"/>
+      </p:par>
+    </p:tnLst>
+  </p:timing>
 </p:sld>
 </file>
 
@@ -4266,7 +4380,7 @@
           <a:p>
             <a:r>
               <a:rPr lang="en-US" dirty="0" smtClean="0"/>
-              <a:t>Demo</a:t>
+              <a:t>Future work</a:t>
             </a:r>
             <a:endParaRPr lang="en-US" dirty="0"/>
           </a:p>
@@ -4287,7 +4401,40 @@
           <a:bodyPr/>
           <a:lstStyle/>
           <a:p>
-            <a:endParaRPr lang="en-US"/>
+            <a:r>
+              <a:rPr lang="en-US" dirty="0" smtClean="0"/>
+              <a:t>Define sensitive data patterns</a:t>
+            </a:r>
+          </a:p>
+          <a:p>
+            <a:r>
+              <a:rPr lang="en-US" dirty="0" smtClean="0"/>
+              <a:t>Use machine learning algorithms</a:t>
+            </a:r>
+          </a:p>
+          <a:p>
+            <a:r>
+              <a:rPr lang="en-US" dirty="0" smtClean="0"/>
+              <a:t>Customize for free text </a:t>
+            </a:r>
+            <a:r>
+              <a:rPr lang="en-US" dirty="0" smtClean="0"/>
+              <a:t>sensitive data detection</a:t>
+            </a:r>
+          </a:p>
+          <a:p>
+            <a:r>
+              <a:rPr lang="en-US" dirty="0" smtClean="0"/>
+              <a:t>provide interface to publish data directly from </a:t>
+            </a:r>
+            <a:r>
+              <a:rPr lang="en-US" dirty="0" smtClean="0"/>
+              <a:t>Google refine</a:t>
+            </a:r>
+            <a:endParaRPr lang="en-US" dirty="0" smtClean="0"/>
+          </a:p>
+          <a:p>
+            <a:endParaRPr lang="en-US" dirty="0"/>
           </a:p>
         </p:txBody>
       </p:sp>
@@ -4296,6 +4443,13 @@
   <p:clrMapOvr>
     <a:masterClrMapping/>
   </p:clrMapOvr>
+  <p:timing>
+    <p:tnLst>
+      <p:par>
+        <p:cTn id="1" dur="indefinite" restart="never" nodeType="tmRoot"/>
+      </p:par>
+    </p:tnLst>
+  </p:timing>
 </p:sld>
 </file>
 
